--- a/싸이파이를 이용한 수치적분.pptx
+++ b/싸이파이를 이용한 수치적분.pptx
@@ -255,7 +255,7 @@
           <a:p>
             <a:fld id="{5B3AD1D6-AE87-C841-B3FD-7C9F7FCAE5AE}" type="datetimeFigureOut">
               <a:rPr lang="en-US" smtClean="0"/>
-              <a:t>12/3/19</a:t>
+              <a:t>12/4/19</a:t>
             </a:fld>
             <a:endParaRPr lang="en-US"/>
           </a:p>
@@ -425,7 +425,7 @@
           <a:p>
             <a:fld id="{5B3AD1D6-AE87-C841-B3FD-7C9F7FCAE5AE}" type="datetimeFigureOut">
               <a:rPr lang="en-US" smtClean="0"/>
-              <a:t>12/3/19</a:t>
+              <a:t>12/4/19</a:t>
             </a:fld>
             <a:endParaRPr lang="en-US"/>
           </a:p>
@@ -605,7 +605,7 @@
           <a:p>
             <a:fld id="{5B3AD1D6-AE87-C841-B3FD-7C9F7FCAE5AE}" type="datetimeFigureOut">
               <a:rPr lang="en-US" smtClean="0"/>
-              <a:t>12/3/19</a:t>
+              <a:t>12/4/19</a:t>
             </a:fld>
             <a:endParaRPr lang="en-US"/>
           </a:p>
@@ -775,7 +775,7 @@
           <a:p>
             <a:fld id="{5B3AD1D6-AE87-C841-B3FD-7C9F7FCAE5AE}" type="datetimeFigureOut">
               <a:rPr lang="en-US" smtClean="0"/>
-              <a:t>12/3/19</a:t>
+              <a:t>12/4/19</a:t>
             </a:fld>
             <a:endParaRPr lang="en-US"/>
           </a:p>
@@ -1021,7 +1021,7 @@
           <a:p>
             <a:fld id="{5B3AD1D6-AE87-C841-B3FD-7C9F7FCAE5AE}" type="datetimeFigureOut">
               <a:rPr lang="en-US" smtClean="0"/>
-              <a:t>12/3/19</a:t>
+              <a:t>12/4/19</a:t>
             </a:fld>
             <a:endParaRPr lang="en-US"/>
           </a:p>
@@ -1253,7 +1253,7 @@
           <a:p>
             <a:fld id="{5B3AD1D6-AE87-C841-B3FD-7C9F7FCAE5AE}" type="datetimeFigureOut">
               <a:rPr lang="en-US" smtClean="0"/>
-              <a:t>12/3/19</a:t>
+              <a:t>12/4/19</a:t>
             </a:fld>
             <a:endParaRPr lang="en-US"/>
           </a:p>
@@ -1620,7 +1620,7 @@
           <a:p>
             <a:fld id="{5B3AD1D6-AE87-C841-B3FD-7C9F7FCAE5AE}" type="datetimeFigureOut">
               <a:rPr lang="en-US" smtClean="0"/>
-              <a:t>12/3/19</a:t>
+              <a:t>12/4/19</a:t>
             </a:fld>
             <a:endParaRPr lang="en-US"/>
           </a:p>
@@ -1738,7 +1738,7 @@
           <a:p>
             <a:fld id="{5B3AD1D6-AE87-C841-B3FD-7C9F7FCAE5AE}" type="datetimeFigureOut">
               <a:rPr lang="en-US" smtClean="0"/>
-              <a:t>12/3/19</a:t>
+              <a:t>12/4/19</a:t>
             </a:fld>
             <a:endParaRPr lang="en-US"/>
           </a:p>
@@ -1833,7 +1833,7 @@
           <a:p>
             <a:fld id="{5B3AD1D6-AE87-C841-B3FD-7C9F7FCAE5AE}" type="datetimeFigureOut">
               <a:rPr lang="en-US" smtClean="0"/>
-              <a:t>12/3/19</a:t>
+              <a:t>12/4/19</a:t>
             </a:fld>
             <a:endParaRPr lang="en-US"/>
           </a:p>
@@ -2110,7 +2110,7 @@
           <a:p>
             <a:fld id="{5B3AD1D6-AE87-C841-B3FD-7C9F7FCAE5AE}" type="datetimeFigureOut">
               <a:rPr lang="en-US" smtClean="0"/>
-              <a:t>12/3/19</a:t>
+              <a:t>12/4/19</a:t>
             </a:fld>
             <a:endParaRPr lang="en-US"/>
           </a:p>
@@ -2363,7 +2363,7 @@
           <a:p>
             <a:fld id="{5B3AD1D6-AE87-C841-B3FD-7C9F7FCAE5AE}" type="datetimeFigureOut">
               <a:rPr lang="en-US" smtClean="0"/>
-              <a:t>12/3/19</a:t>
+              <a:t>12/4/19</a:t>
             </a:fld>
             <a:endParaRPr lang="en-US"/>
           </a:p>
@@ -2576,7 +2576,7 @@
           <a:p>
             <a:fld id="{5B3AD1D6-AE87-C841-B3FD-7C9F7FCAE5AE}" type="datetimeFigureOut">
               <a:rPr lang="en-US" smtClean="0"/>
-              <a:t>12/3/19</a:t>
+              <a:t>12/4/19</a:t>
             </a:fld>
             <a:endParaRPr lang="en-US"/>
           </a:p>

--- a/싸이파이를 이용한 수치적분.pptx
+++ b/싸이파이를 이용한 수치적분.pptx
@@ -255,7 +255,7 @@
           <a:p>
             <a:fld id="{5B3AD1D6-AE87-C841-B3FD-7C9F7FCAE5AE}" type="datetimeFigureOut">
               <a:rPr lang="en-US" smtClean="0"/>
-              <a:t>12/4/19</a:t>
+              <a:t>12/5/19</a:t>
             </a:fld>
             <a:endParaRPr lang="en-US"/>
           </a:p>
@@ -425,7 +425,7 @@
           <a:p>
             <a:fld id="{5B3AD1D6-AE87-C841-B3FD-7C9F7FCAE5AE}" type="datetimeFigureOut">
               <a:rPr lang="en-US" smtClean="0"/>
-              <a:t>12/4/19</a:t>
+              <a:t>12/5/19</a:t>
             </a:fld>
             <a:endParaRPr lang="en-US"/>
           </a:p>
@@ -605,7 +605,7 @@
           <a:p>
             <a:fld id="{5B3AD1D6-AE87-C841-B3FD-7C9F7FCAE5AE}" type="datetimeFigureOut">
               <a:rPr lang="en-US" smtClean="0"/>
-              <a:t>12/4/19</a:t>
+              <a:t>12/5/19</a:t>
             </a:fld>
             <a:endParaRPr lang="en-US"/>
           </a:p>
@@ -775,7 +775,7 @@
           <a:p>
             <a:fld id="{5B3AD1D6-AE87-C841-B3FD-7C9F7FCAE5AE}" type="datetimeFigureOut">
               <a:rPr lang="en-US" smtClean="0"/>
-              <a:t>12/4/19</a:t>
+              <a:t>12/5/19</a:t>
             </a:fld>
             <a:endParaRPr lang="en-US"/>
           </a:p>
@@ -1021,7 +1021,7 @@
           <a:p>
             <a:fld id="{5B3AD1D6-AE87-C841-B3FD-7C9F7FCAE5AE}" type="datetimeFigureOut">
               <a:rPr lang="en-US" smtClean="0"/>
-              <a:t>12/4/19</a:t>
+              <a:t>12/5/19</a:t>
             </a:fld>
             <a:endParaRPr lang="en-US"/>
           </a:p>
@@ -1253,7 +1253,7 @@
           <a:p>
             <a:fld id="{5B3AD1D6-AE87-C841-B3FD-7C9F7FCAE5AE}" type="datetimeFigureOut">
               <a:rPr lang="en-US" smtClean="0"/>
-              <a:t>12/4/19</a:t>
+              <a:t>12/5/19</a:t>
             </a:fld>
             <a:endParaRPr lang="en-US"/>
           </a:p>
@@ -1620,7 +1620,7 @@
           <a:p>
             <a:fld id="{5B3AD1D6-AE87-C841-B3FD-7C9F7FCAE5AE}" type="datetimeFigureOut">
               <a:rPr lang="en-US" smtClean="0"/>
-              <a:t>12/4/19</a:t>
+              <a:t>12/5/19</a:t>
             </a:fld>
             <a:endParaRPr lang="en-US"/>
           </a:p>
@@ -1738,7 +1738,7 @@
           <a:p>
             <a:fld id="{5B3AD1D6-AE87-C841-B3FD-7C9F7FCAE5AE}" type="datetimeFigureOut">
               <a:rPr lang="en-US" smtClean="0"/>
-              <a:t>12/4/19</a:t>
+              <a:t>12/5/19</a:t>
             </a:fld>
             <a:endParaRPr lang="en-US"/>
           </a:p>
@@ -1833,7 +1833,7 @@
           <a:p>
             <a:fld id="{5B3AD1D6-AE87-C841-B3FD-7C9F7FCAE5AE}" type="datetimeFigureOut">
               <a:rPr lang="en-US" smtClean="0"/>
-              <a:t>12/4/19</a:t>
+              <a:t>12/5/19</a:t>
             </a:fld>
             <a:endParaRPr lang="en-US"/>
           </a:p>
@@ -2110,7 +2110,7 @@
           <a:p>
             <a:fld id="{5B3AD1D6-AE87-C841-B3FD-7C9F7FCAE5AE}" type="datetimeFigureOut">
               <a:rPr lang="en-US" smtClean="0"/>
-              <a:t>12/4/19</a:t>
+              <a:t>12/5/19</a:t>
             </a:fld>
             <a:endParaRPr lang="en-US"/>
           </a:p>
@@ -2363,7 +2363,7 @@
           <a:p>
             <a:fld id="{5B3AD1D6-AE87-C841-B3FD-7C9F7FCAE5AE}" type="datetimeFigureOut">
               <a:rPr lang="en-US" smtClean="0"/>
-              <a:t>12/4/19</a:t>
+              <a:t>12/5/19</a:t>
             </a:fld>
             <a:endParaRPr lang="en-US"/>
           </a:p>
@@ -2576,7 +2576,7 @@
           <a:p>
             <a:fld id="{5B3AD1D6-AE87-C841-B3FD-7C9F7FCAE5AE}" type="datetimeFigureOut">
               <a:rPr lang="en-US" smtClean="0"/>
-              <a:t>12/4/19</a:t>
+              <a:t>12/5/19</a:t>
             </a:fld>
             <a:endParaRPr lang="en-US"/>
           </a:p>
